--- a/lectures/01-intro.pptx
+++ b/lectures/01-intro.pptx
@@ -5,7 +5,7 @@
     <p:sldMasterId id="2147483648" r:id="rId1"/>
   </p:sldMasterIdLst>
   <p:notesMasterIdLst>
-    <p:notesMasterId r:id="rId25"/>
+    <p:notesMasterId r:id="rId24"/>
   </p:notesMasterIdLst>
   <p:sldIdLst>
     <p:sldId id="256" r:id="rId2"/>
@@ -26,11 +26,10 @@
     <p:sldId id="271" r:id="rId17"/>
     <p:sldId id="272" r:id="rId18"/>
     <p:sldId id="273" r:id="rId19"/>
-    <p:sldId id="274" r:id="rId20"/>
-    <p:sldId id="275" r:id="rId21"/>
-    <p:sldId id="277" r:id="rId22"/>
-    <p:sldId id="278" r:id="rId23"/>
-    <p:sldId id="279" r:id="rId24"/>
+    <p:sldId id="275" r:id="rId20"/>
+    <p:sldId id="277" r:id="rId21"/>
+    <p:sldId id="278" r:id="rId22"/>
+    <p:sldId id="279" r:id="rId23"/>
   </p:sldIdLst>
   <p:sldSz cx="9144000" cy="5143500" type="screen16x9"/>
   <p:notesSz cx="6858000" cy="9144000"/>
@@ -230,7 +229,7 @@
           <a:p>
             <a:fld id="{0F9C1CCF-B725-44A7-AA57-5E433BD85C9F}" type="datetimeFigureOut">
               <a:rPr lang="en-US" smtClean="0"/>
-              <a:t>1/10/23</a:t>
+              <a:t>1/11/23</a:t>
             </a:fld>
             <a:endParaRPr lang="en-US"/>
           </a:p>
@@ -679,126 +678,6 @@
 </p:notes>
 </file>
 
-<file path=ppt/notesSlides/notesSlide3.xml><?xml version="1.0" encoding="utf-8"?>
-<p:notes xmlns:a="http://schemas.openxmlformats.org/drawingml/2006/main" xmlns:r="http://schemas.openxmlformats.org/officeDocument/2006/relationships" xmlns:p="http://schemas.openxmlformats.org/presentationml/2006/main">
-  <p:cSld>
-    <p:spTree>
-      <p:nvGrpSpPr>
-        <p:cNvPr id="1" name=""/>
-        <p:cNvGrpSpPr/>
-        <p:nvPr/>
-      </p:nvGrpSpPr>
-      <p:grpSpPr>
-        <a:xfrm>
-          <a:off x="0" y="0"/>
-          <a:ext cx="0" cy="0"/>
-          <a:chOff x="0" y="0"/>
-          <a:chExt cx="0" cy="0"/>
-        </a:xfrm>
-      </p:grpSpPr>
-      <p:sp>
-        <p:nvSpPr>
-          <p:cNvPr id="2" name="Slide Image Placeholder 1"/>
-          <p:cNvSpPr>
-            <a:spLocks noGrp="1" noRot="1" noChangeAspect="1"/>
-          </p:cNvSpPr>
-          <p:nvPr>
-            <p:ph type="sldImg"/>
-          </p:nvPr>
-        </p:nvSpPr>
-        <p:spPr/>
-      </p:sp>
-      <p:sp>
-        <p:nvSpPr>
-          <p:cNvPr id="3" name="Notes Placeholder 2"/>
-          <p:cNvSpPr>
-            <a:spLocks noGrp="1"/>
-          </p:cNvSpPr>
-          <p:nvPr>
-            <p:ph type="body" idx="1"/>
-          </p:nvPr>
-        </p:nvSpPr>
-        <p:spPr/>
-        <p:txBody>
-          <a:bodyPr/>
-          <a:lstStyle/>
-          <a:p>
-            <a:pPr marL="0" lvl="0" indent="0">
-              <a:buNone/>
-            </a:pPr>
-            <a:r>
-              <a:rPr i="1"/>
-              <a:t>To what extent should science be involved in the environmental policymaking process</a:t>
-            </a:r>
-            <a:r>
-              <a:t>? (DSW)</a:t>
-            </a:r>
-          </a:p>
-          <a:p>
-            <a:pPr marL="0" lvl="0" indent="0">
-              <a:buNone/>
-            </a:pPr>
-            <a:endParaRPr/>
-          </a:p>
-          <a:p>
-            <a:pPr marL="0" lvl="0" indent="0">
-              <a:buNone/>
-            </a:pPr>
-            <a:r>
-              <a:t>–</a:t>
-            </a:r>
-          </a:p>
-          <a:p>
-            <a:pPr marL="0" lvl="0" indent="0">
-              <a:buNone/>
-            </a:pPr>
-            <a:endParaRPr/>
-          </a:p>
-          <a:p>
-            <a:pPr marL="0" lvl="0" indent="0">
-              <a:buNone/>
-            </a:pPr>
-            <a:r>
-              <a:rPr i="1"/>
-              <a:t>How and in what ways do lawmakers respond to scientists who alert them to real and potential environmental problems</a:t>
-            </a:r>
-            <a:r>
-              <a:t>? (DSW)</a:t>
-            </a:r>
-          </a:p>
-        </p:txBody>
-      </p:sp>
-      <p:sp>
-        <p:nvSpPr>
-          <p:cNvPr id="4" name="Slide Number Placeholder 3"/>
-          <p:cNvSpPr>
-            <a:spLocks noGrp="1"/>
-          </p:cNvSpPr>
-          <p:nvPr>
-            <p:ph type="sldNum" sz="quarter" idx="10"/>
-          </p:nvPr>
-        </p:nvSpPr>
-        <p:spPr/>
-        <p:txBody>
-          <a:bodyPr/>
-          <a:lstStyle/>
-          <a:p>
-            <a:fld id="{18BDFEC3-8487-43E8-A154-7C12CBC1FFF2}" type="slidenum">
-              <a:rPr lang="en-US"/>
-              <a:t>19</a:t>
-            </a:fld>
-            <a:endParaRPr lang="en-US"/>
-          </a:p>
-        </p:txBody>
-      </p:sp>
-    </p:spTree>
-  </p:cSld>
-  <p:clrMapOvr>
-    <a:masterClrMapping/>
-  </p:clrMapOvr>
-</p:notes>
-</file>
-
 <file path=ppt/slideLayouts/slideLayout1.xml><?xml version="1.0" encoding="utf-8"?>
 <p:sldLayout xmlns:a="http://schemas.openxmlformats.org/drawingml/2006/main" xmlns:r="http://schemas.openxmlformats.org/officeDocument/2006/relationships" xmlns:p="http://schemas.openxmlformats.org/presentationml/2006/main" type="title" preserve="1">
   <p:cSld name="Title Slide">
@@ -1180,7 +1059,7 @@
           <a:p>
             <a:fld id="{241EB5C9-1307-BA42-ABA2-0BC069CD8E7F}" type="datetimeFigureOut">
               <a:rPr lang="en-US" smtClean="0"/>
-              <a:t>1/10/23</a:t>
+              <a:t>1/11/23</a:t>
             </a:fld>
             <a:endParaRPr lang="en-US"/>
           </a:p>
@@ -1358,7 +1237,7 @@
           <a:p>
             <a:fld id="{241EB5C9-1307-BA42-ABA2-0BC069CD8E7F}" type="datetimeFigureOut">
               <a:rPr lang="en-US" smtClean="0"/>
-              <a:t>1/10/23</a:t>
+              <a:t>1/11/23</a:t>
             </a:fld>
             <a:endParaRPr lang="en-US"/>
           </a:p>
@@ -1536,7 +1415,7 @@
           <a:p>
             <a:fld id="{241EB5C9-1307-BA42-ABA2-0BC069CD8E7F}" type="datetimeFigureOut">
               <a:rPr lang="en-US" smtClean="0"/>
-              <a:t>1/10/23</a:t>
+              <a:t>1/11/23</a:t>
             </a:fld>
             <a:endParaRPr lang="en-US"/>
           </a:p>
@@ -1795,7 +1674,7 @@
           <a:p>
             <a:fld id="{241EB5C9-1307-BA42-ABA2-0BC069CD8E7F}" type="datetimeFigureOut">
               <a:rPr lang="en-US" smtClean="0"/>
-              <a:t>1/10/23</a:t>
+              <a:t>1/11/23</a:t>
             </a:fld>
             <a:endParaRPr lang="en-US"/>
           </a:p>
@@ -2090,7 +1969,7 @@
           <a:p>
             <a:fld id="{241EB5C9-1307-BA42-ABA2-0BC069CD8E7F}" type="datetimeFigureOut">
               <a:rPr lang="en-US" smtClean="0"/>
-              <a:t>1/10/23</a:t>
+              <a:t>1/11/23</a:t>
             </a:fld>
             <a:endParaRPr lang="en-US"/>
           </a:p>
@@ -2515,7 +2394,7 @@
           <a:p>
             <a:fld id="{241EB5C9-1307-BA42-ABA2-0BC069CD8E7F}" type="datetimeFigureOut">
               <a:rPr lang="en-US" smtClean="0"/>
-              <a:t>1/10/23</a:t>
+              <a:t>1/11/23</a:t>
             </a:fld>
             <a:endParaRPr lang="en-US"/>
           </a:p>
@@ -2642,7 +2521,7 @@
           <a:p>
             <a:fld id="{241EB5C9-1307-BA42-ABA2-0BC069CD8E7F}" type="datetimeFigureOut">
               <a:rPr lang="en-US" smtClean="0"/>
-              <a:t>1/10/23</a:t>
+              <a:t>1/11/23</a:t>
             </a:fld>
             <a:endParaRPr lang="en-US"/>
           </a:p>
@@ -2737,7 +2616,7 @@
           <a:p>
             <a:fld id="{241EB5C9-1307-BA42-ABA2-0BC069CD8E7F}" type="datetimeFigureOut">
               <a:rPr lang="en-US" smtClean="0"/>
-              <a:t>1/10/23</a:t>
+              <a:t>1/11/23</a:t>
             </a:fld>
             <a:endParaRPr lang="en-US"/>
           </a:p>
@@ -3018,7 +2897,7 @@
           <a:p>
             <a:fld id="{241EB5C9-1307-BA42-ABA2-0BC069CD8E7F}" type="datetimeFigureOut">
               <a:rPr lang="en-US" smtClean="0"/>
-              <a:t>1/10/23</a:t>
+              <a:t>1/11/23</a:t>
             </a:fld>
             <a:endParaRPr lang="en-US"/>
           </a:p>
@@ -3270,7 +3149,7 @@
           <a:p>
             <a:fld id="{241EB5C9-1307-BA42-ABA2-0BC069CD8E7F}" type="datetimeFigureOut">
               <a:rPr lang="en-US" smtClean="0"/>
-              <a:t>1/10/23</a:t>
+              <a:t>1/11/23</a:t>
             </a:fld>
             <a:endParaRPr lang="en-US"/>
           </a:p>
@@ -3481,7 +3360,7 @@
           <a:p>
             <a:fld id="{241EB5C9-1307-BA42-ABA2-0BC069CD8E7F}" type="datetimeFigureOut">
               <a:rPr lang="en-US" smtClean="0"/>
-              <a:t>1/10/23</a:t>
+              <a:t>1/11/23</a:t>
             </a:fld>
             <a:endParaRPr lang="en-US"/>
           </a:p>
@@ -4262,7 +4141,16 @@
               <a:buNone/>
             </a:pPr>
             <a:r>
-              <a:t>What do each of the scenarios have in common?</a:t>
+              <a:rPr dirty="0"/>
+              <a:t>What do the</a:t>
+            </a:r>
+            <a:r>
+              <a:rPr lang="en-US" dirty="0"/>
+              <a:t>se</a:t>
+            </a:r>
+            <a:r>
+              <a:rPr dirty="0"/>
+              <a:t> scenarios have in common?</a:t>
             </a:r>
           </a:p>
         </p:txBody>
@@ -5310,13 +5198,13 @@
         </p:nvSpPr>
         <p:spPr>
           <a:xfrm>
-            <a:off x="457200" y="1200151"/>
-            <a:ext cx="8229600" cy="3355946"/>
+            <a:off x="457200" y="1200150"/>
+            <a:ext cx="8229600" cy="3943350"/>
           </a:xfrm>
         </p:spPr>
         <p:txBody>
           <a:bodyPr>
-            <a:normAutofit fontScale="77500" lnSpcReduction="20000"/>
+            <a:normAutofit fontScale="85000" lnSpcReduction="10000"/>
           </a:bodyPr>
           <a:lstStyle/>
           <a:p>
@@ -6402,121 +6290,6 @@
             <p:ph type="title"/>
           </p:nvPr>
         </p:nvSpPr>
-        <p:spPr>
-          <a:xfrm>
-            <a:off x="722313" y="3305176"/>
-            <a:ext cx="7772400" cy="1021556"/>
-          </a:xfrm>
-        </p:spPr>
-        <p:txBody>
-          <a:bodyPr/>
-          <a:lstStyle/>
-          <a:p>
-            <a:pPr marL="0" lvl="0" indent="0">
-              <a:buNone/>
-            </a:pPr>
-            <a:r>
-              <a:t>Science and Environmental Policy</a:t>
-            </a:r>
-          </a:p>
-        </p:txBody>
-      </p:sp>
-    </p:spTree>
-  </p:cSld>
-  <p:clrMapOvr>
-    <a:masterClrMapping/>
-  </p:clrMapOvr>
-</p:sld>
-</file>
-
-<file path=ppt/slides/slide2.xml><?xml version="1.0" encoding="utf-8"?>
-<p:sld xmlns:a="http://schemas.openxmlformats.org/drawingml/2006/main" xmlns:r="http://schemas.openxmlformats.org/officeDocument/2006/relationships" xmlns:p="http://schemas.openxmlformats.org/presentationml/2006/main">
-  <p:cSld>
-    <p:spTree>
-      <p:nvGrpSpPr>
-        <p:cNvPr id="1" name=""/>
-        <p:cNvGrpSpPr/>
-        <p:nvPr/>
-      </p:nvGrpSpPr>
-      <p:grpSpPr>
-        <a:xfrm>
-          <a:off x="0" y="0"/>
-          <a:ext cx="0" cy="0"/>
-          <a:chOff x="0" y="0"/>
-          <a:chExt cx="0" cy="0"/>
-        </a:xfrm>
-      </p:grpSpPr>
-      <p:sp>
-        <p:nvSpPr>
-          <p:cNvPr id="2" name="Title 1"/>
-          <p:cNvSpPr>
-            <a:spLocks noGrp="1"/>
-          </p:cNvSpPr>
-          <p:nvPr>
-            <p:ph type="title"/>
-          </p:nvPr>
-        </p:nvSpPr>
-        <p:spPr>
-          <a:xfrm>
-            <a:off x="722313" y="3305176"/>
-            <a:ext cx="7772400" cy="1021556"/>
-          </a:xfrm>
-        </p:spPr>
-        <p:txBody>
-          <a:bodyPr/>
-          <a:lstStyle/>
-          <a:p>
-            <a:pPr marL="0" lvl="0" indent="0">
-              <a:buNone/>
-            </a:pPr>
-            <a:r>
-              <a:t>How </a:t>
-            </a:r>
-            <a:r>
-              <a:rPr i="1"/>
-              <a:t>do</a:t>
-            </a:r>
-            <a:r>
-              <a:t> we mangage natural resources in the US?</a:t>
-            </a:r>
-          </a:p>
-        </p:txBody>
-      </p:sp>
-    </p:spTree>
-  </p:cSld>
-  <p:clrMapOvr>
-    <a:masterClrMapping/>
-  </p:clrMapOvr>
-</p:sld>
-</file>
-
-<file path=ppt/slides/slide20.xml><?xml version="1.0" encoding="utf-8"?>
-<p:sld xmlns:a="http://schemas.openxmlformats.org/drawingml/2006/main" xmlns:r="http://schemas.openxmlformats.org/officeDocument/2006/relationships" xmlns:p="http://schemas.openxmlformats.org/presentationml/2006/main">
-  <p:cSld>
-    <p:spTree>
-      <p:nvGrpSpPr>
-        <p:cNvPr id="1" name=""/>
-        <p:cNvGrpSpPr/>
-        <p:nvPr/>
-      </p:nvGrpSpPr>
-      <p:grpSpPr>
-        <a:xfrm>
-          <a:off x="0" y="0"/>
-          <a:ext cx="0" cy="0"/>
-          <a:chOff x="0" y="0"/>
-          <a:chExt cx="0" cy="0"/>
-        </a:xfrm>
-      </p:grpSpPr>
-      <p:sp>
-        <p:nvSpPr>
-          <p:cNvPr id="2" name="Title 1"/>
-          <p:cNvSpPr>
-            <a:spLocks noGrp="1"/>
-          </p:cNvSpPr>
-          <p:nvPr>
-            <p:ph type="title"/>
-          </p:nvPr>
-        </p:nvSpPr>
         <p:spPr/>
         <p:txBody>
           <a:bodyPr/>
@@ -6636,7 +6409,68 @@
 </p:sld>
 </file>
 
-<file path=ppt/slides/slide21.xml><?xml version="1.0" encoding="utf-8"?>
+<file path=ppt/slides/slide2.xml><?xml version="1.0" encoding="utf-8"?>
+<p:sld xmlns:a="http://schemas.openxmlformats.org/drawingml/2006/main" xmlns:r="http://schemas.openxmlformats.org/officeDocument/2006/relationships" xmlns:p="http://schemas.openxmlformats.org/presentationml/2006/main">
+  <p:cSld>
+    <p:spTree>
+      <p:nvGrpSpPr>
+        <p:cNvPr id="1" name=""/>
+        <p:cNvGrpSpPr/>
+        <p:nvPr/>
+      </p:nvGrpSpPr>
+      <p:grpSpPr>
+        <a:xfrm>
+          <a:off x="0" y="0"/>
+          <a:ext cx="0" cy="0"/>
+          <a:chOff x="0" y="0"/>
+          <a:chExt cx="0" cy="0"/>
+        </a:xfrm>
+      </p:grpSpPr>
+      <p:sp>
+        <p:nvSpPr>
+          <p:cNvPr id="2" name="Title 1"/>
+          <p:cNvSpPr>
+            <a:spLocks noGrp="1"/>
+          </p:cNvSpPr>
+          <p:nvPr>
+            <p:ph type="title"/>
+          </p:nvPr>
+        </p:nvSpPr>
+        <p:spPr>
+          <a:xfrm>
+            <a:off x="722313" y="3305176"/>
+            <a:ext cx="7772400" cy="1021556"/>
+          </a:xfrm>
+        </p:spPr>
+        <p:txBody>
+          <a:bodyPr/>
+          <a:lstStyle/>
+          <a:p>
+            <a:pPr marL="0" lvl="0" indent="0">
+              <a:buNone/>
+            </a:pPr>
+            <a:r>
+              <a:t>How </a:t>
+            </a:r>
+            <a:r>
+              <a:rPr i="1"/>
+              <a:t>do</a:t>
+            </a:r>
+            <a:r>
+              <a:t> we mangage natural resources in the US?</a:t>
+            </a:r>
+          </a:p>
+        </p:txBody>
+      </p:sp>
+    </p:spTree>
+  </p:cSld>
+  <p:clrMapOvr>
+    <a:masterClrMapping/>
+  </p:clrMapOvr>
+</p:sld>
+</file>
+
+<file path=ppt/slides/slide20.xml><?xml version="1.0" encoding="utf-8"?>
 <p:sld xmlns:a="http://schemas.openxmlformats.org/drawingml/2006/main" xmlns:r="http://schemas.openxmlformats.org/officeDocument/2006/relationships" xmlns:p="http://schemas.openxmlformats.org/presentationml/2006/main">
   <p:cSld>
     <p:spTree>
@@ -6758,7 +6592,7 @@
 </p:sld>
 </file>
 
-<file path=ppt/slides/slide22.xml><?xml version="1.0" encoding="utf-8"?>
+<file path=ppt/slides/slide21.xml><?xml version="1.0" encoding="utf-8"?>
 <p:sld xmlns:a="http://schemas.openxmlformats.org/drawingml/2006/main" xmlns:r="http://schemas.openxmlformats.org/officeDocument/2006/relationships" xmlns:p="http://schemas.openxmlformats.org/presentationml/2006/main">
   <p:cSld>
     <p:spTree>
@@ -7207,7 +7041,7 @@
 </p:sld>
 </file>
 
-<file path=ppt/slides/slide23.xml><?xml version="1.0" encoding="utf-8"?>
+<file path=ppt/slides/slide22.xml><?xml version="1.0" encoding="utf-8"?>
 <p:sld xmlns:a="http://schemas.openxmlformats.org/drawingml/2006/main" xmlns:r="http://schemas.openxmlformats.org/officeDocument/2006/relationships" xmlns:p="http://schemas.openxmlformats.org/presentationml/2006/main">
   <p:cSld>
     <p:spTree>
